--- a/Wagenpark presentatie.pptx
+++ b/Wagenpark presentatie.pptx
@@ -5,16 +5,20 @@
     <p:sldMasterId id="2147483660" r:id="rId1"/>
   </p:sldMasterIdLst>
   <p:notesMasterIdLst>
-    <p:notesMasterId r:id="rId6"/>
+    <p:notesMasterId r:id="rId10"/>
   </p:notesMasterIdLst>
   <p:handoutMasterIdLst>
-    <p:handoutMasterId r:id="rId7"/>
+    <p:handoutMasterId r:id="rId11"/>
   </p:handoutMasterIdLst>
   <p:sldIdLst>
     <p:sldId id="256" r:id="rId2"/>
     <p:sldId id="257" r:id="rId3"/>
-    <p:sldId id="258" r:id="rId4"/>
-    <p:sldId id="259" r:id="rId5"/>
+    <p:sldId id="262" r:id="rId4"/>
+    <p:sldId id="261" r:id="rId5"/>
+    <p:sldId id="258" r:id="rId6"/>
+    <p:sldId id="260" r:id="rId7"/>
+    <p:sldId id="259" r:id="rId8"/>
+    <p:sldId id="263" r:id="rId9"/>
   </p:sldIdLst>
   <p:sldSz cx="12188825" cy="6858000"/>
   <p:notesSz cx="6858000" cy="9144000"/>
@@ -275,7 +279,7 @@
             <a:pPr rtl="0"/>
             <a:fld id="{2A0E238E-B9AA-45B3-B200-2A4DD06FF661}" type="datetime1">
               <a:rPr lang="nl-NL" smtClean="0"/>
-              <a:t>5-6-2018</a:t>
+              <a:t>21-6-2018</a:t>
             </a:fld>
             <a:endParaRPr lang="nl-NL" dirty="0"/>
           </a:p>
@@ -444,7 +448,7 @@
             <a:fld id="{80A487A8-2513-479A-9F01-B9D81311E0C9}" type="datetime1">
               <a:rPr lang="nl-NL" smtClean="0"/>
               <a:pPr/>
-              <a:t>5-6-2018</a:t>
+              <a:t>21-6-2018</a:t>
             </a:fld>
             <a:endParaRPr lang="nl-NL" dirty="0"/>
           </a:p>
@@ -877,6 +881,178 @@
     <p:extLst>
       <p:ext uri="{BB962C8B-B14F-4D97-AF65-F5344CB8AC3E}">
         <p14:creationId xmlns:p14="http://schemas.microsoft.com/office/powerpoint/2010/main" val="1131171260"/>
+      </p:ext>
+    </p:extLst>
+  </p:cSld>
+  <p:clrMapOvr>
+    <a:masterClrMapping/>
+  </p:clrMapOvr>
+</p:notes>
+</file>
+
+<file path=ppt/notesSlides/notesSlide3.xml><?xml version="1.0" encoding="utf-8"?>
+<p:notes xmlns:a="http://schemas.openxmlformats.org/drawingml/2006/main" xmlns:r="http://schemas.openxmlformats.org/officeDocument/2006/relationships" xmlns:p="http://schemas.openxmlformats.org/presentationml/2006/main">
+  <p:cSld>
+    <p:spTree>
+      <p:nvGrpSpPr>
+        <p:cNvPr id="1" name=""/>
+        <p:cNvGrpSpPr/>
+        <p:nvPr/>
+      </p:nvGrpSpPr>
+      <p:grpSpPr>
+        <a:xfrm>
+          <a:off x="0" y="0"/>
+          <a:ext cx="0" cy="0"/>
+          <a:chOff x="0" y="0"/>
+          <a:chExt cx="0" cy="0"/>
+        </a:xfrm>
+      </p:grpSpPr>
+      <p:sp>
+        <p:nvSpPr>
+          <p:cNvPr id="2" name="Tijdelijke aanduiding voor dia-afbeelding 1"/>
+          <p:cNvSpPr>
+            <a:spLocks noGrp="1" noRot="1" noChangeAspect="1"/>
+          </p:cNvSpPr>
+          <p:nvPr>
+            <p:ph type="sldImg"/>
+          </p:nvPr>
+        </p:nvSpPr>
+        <p:spPr/>
+      </p:sp>
+      <p:sp>
+        <p:nvSpPr>
+          <p:cNvPr id="3" name="Tijdelijke aanduiding voor notities 2"/>
+          <p:cNvSpPr>
+            <a:spLocks noGrp="1"/>
+          </p:cNvSpPr>
+          <p:nvPr>
+            <p:ph type="body" idx="1"/>
+          </p:nvPr>
+        </p:nvSpPr>
+        <p:spPr/>
+        <p:txBody>
+          <a:bodyPr rtlCol="0"/>
+          <a:lstStyle/>
+          <a:p>
+            <a:pPr rtl="0"/>
+            <a:endParaRPr lang="nl-NL" dirty="0"/>
+          </a:p>
+        </p:txBody>
+      </p:sp>
+      <p:sp>
+        <p:nvSpPr>
+          <p:cNvPr id="4" name="Tijdelijke aanduiding voor dianummer 3"/>
+          <p:cNvSpPr>
+            <a:spLocks noGrp="1"/>
+          </p:cNvSpPr>
+          <p:nvPr>
+            <p:ph type="sldNum" sz="quarter" idx="10"/>
+          </p:nvPr>
+        </p:nvSpPr>
+        <p:spPr/>
+        <p:txBody>
+          <a:bodyPr rtlCol="0"/>
+          <a:lstStyle/>
+          <a:p>
+            <a:pPr rtl="0"/>
+            <a:fld id="{5FB91549-43BF-425A-AF25-75262019208C}" type="slidenum">
+              <a:rPr lang="nl-NL" smtClean="0"/>
+              <a:t>3</a:t>
+            </a:fld>
+            <a:endParaRPr lang="nl-NL" dirty="0"/>
+          </a:p>
+        </p:txBody>
+      </p:sp>
+    </p:spTree>
+    <p:extLst>
+      <p:ext uri="{BB962C8B-B14F-4D97-AF65-F5344CB8AC3E}">
+        <p14:creationId xmlns:p14="http://schemas.microsoft.com/office/powerpoint/2010/main" val="134473343"/>
+      </p:ext>
+    </p:extLst>
+  </p:cSld>
+  <p:clrMapOvr>
+    <a:masterClrMapping/>
+  </p:clrMapOvr>
+</p:notes>
+</file>
+
+<file path=ppt/notesSlides/notesSlide4.xml><?xml version="1.0" encoding="utf-8"?>
+<p:notes xmlns:a="http://schemas.openxmlformats.org/drawingml/2006/main" xmlns:r="http://schemas.openxmlformats.org/officeDocument/2006/relationships" xmlns:p="http://schemas.openxmlformats.org/presentationml/2006/main">
+  <p:cSld>
+    <p:spTree>
+      <p:nvGrpSpPr>
+        <p:cNvPr id="1" name=""/>
+        <p:cNvGrpSpPr/>
+        <p:nvPr/>
+      </p:nvGrpSpPr>
+      <p:grpSpPr>
+        <a:xfrm>
+          <a:off x="0" y="0"/>
+          <a:ext cx="0" cy="0"/>
+          <a:chOff x="0" y="0"/>
+          <a:chExt cx="0" cy="0"/>
+        </a:xfrm>
+      </p:grpSpPr>
+      <p:sp>
+        <p:nvSpPr>
+          <p:cNvPr id="2" name="Tijdelijke aanduiding voor dia-afbeelding 1"/>
+          <p:cNvSpPr>
+            <a:spLocks noGrp="1" noRot="1" noChangeAspect="1"/>
+          </p:cNvSpPr>
+          <p:nvPr>
+            <p:ph type="sldImg"/>
+          </p:nvPr>
+        </p:nvSpPr>
+        <p:spPr/>
+      </p:sp>
+      <p:sp>
+        <p:nvSpPr>
+          <p:cNvPr id="3" name="Tijdelijke aanduiding voor notities 2"/>
+          <p:cNvSpPr>
+            <a:spLocks noGrp="1"/>
+          </p:cNvSpPr>
+          <p:nvPr>
+            <p:ph type="body" idx="1"/>
+          </p:nvPr>
+        </p:nvSpPr>
+        <p:spPr/>
+        <p:txBody>
+          <a:bodyPr rtlCol="0"/>
+          <a:lstStyle/>
+          <a:p>
+            <a:pPr rtl="0"/>
+            <a:endParaRPr lang="nl-NL" dirty="0"/>
+          </a:p>
+        </p:txBody>
+      </p:sp>
+      <p:sp>
+        <p:nvSpPr>
+          <p:cNvPr id="4" name="Tijdelijke aanduiding voor dianummer 3"/>
+          <p:cNvSpPr>
+            <a:spLocks noGrp="1"/>
+          </p:cNvSpPr>
+          <p:nvPr>
+            <p:ph type="sldNum" sz="quarter" idx="10"/>
+          </p:nvPr>
+        </p:nvSpPr>
+        <p:spPr/>
+        <p:txBody>
+          <a:bodyPr rtlCol="0"/>
+          <a:lstStyle/>
+          <a:p>
+            <a:pPr rtl="0"/>
+            <a:fld id="{5FB91549-43BF-425A-AF25-75262019208C}" type="slidenum">
+              <a:rPr lang="nl-NL" smtClean="0"/>
+              <a:t>4</a:t>
+            </a:fld>
+            <a:endParaRPr lang="nl-NL" dirty="0"/>
+          </a:p>
+        </p:txBody>
+      </p:sp>
+    </p:spTree>
+    <p:extLst>
+      <p:ext uri="{BB962C8B-B14F-4D97-AF65-F5344CB8AC3E}">
+        <p14:creationId xmlns:p14="http://schemas.microsoft.com/office/powerpoint/2010/main" val="1911190454"/>
       </p:ext>
     </p:extLst>
   </p:cSld>
@@ -1202,7 +1378,7 @@
             <a:fld id="{A2F951A6-1D06-4D13-9B1E-D077D47F70C0}" type="datetime1">
               <a:rPr lang="nl-NL" smtClean="0"/>
               <a:pPr/>
-              <a:t>5-6-2018</a:t>
+              <a:t>21-6-2018</a:t>
             </a:fld>
             <a:endParaRPr lang="nl-NL" dirty="0"/>
           </a:p>
@@ -1439,7 +1615,7 @@
             <a:fld id="{8690A96E-1D96-45C4-A6F5-8B0BA31CC1A7}" type="datetime1">
               <a:rPr lang="nl-NL" smtClean="0"/>
               <a:pPr/>
-              <a:t>5-6-2018</a:t>
+              <a:t>21-6-2018</a:t>
             </a:fld>
             <a:endParaRPr lang="nl-NL" dirty="0"/>
           </a:p>
@@ -1669,7 +1845,7 @@
             <a:fld id="{254FE5AD-306B-482C-9D77-D183264DF6A1}" type="datetime1">
               <a:rPr lang="nl-NL" smtClean="0"/>
               <a:pPr/>
-              <a:t>5-6-2018</a:t>
+              <a:t>21-6-2018</a:t>
             </a:fld>
             <a:endParaRPr lang="nl-NL" dirty="0"/>
           </a:p>
@@ -1894,7 +2070,7 @@
             <a:fld id="{F90E6A59-AB3C-47A1-891B-E92200E08C45}" type="datetime1">
               <a:rPr lang="nl-NL" smtClean="0"/>
               <a:pPr/>
-              <a:t>5-6-2018</a:t>
+              <a:t>21-6-2018</a:t>
             </a:fld>
             <a:endParaRPr lang="nl-NL" dirty="0"/>
           </a:p>
@@ -2168,7 +2344,7 @@
             <a:fld id="{8BAFBFE7-D6DF-4F92-87FC-BD858C62D3F0}" type="datetime1">
               <a:rPr lang="nl-NL" smtClean="0"/>
               <a:pPr/>
-              <a:t>5-6-2018</a:t>
+              <a:t>21-6-2018</a:t>
             </a:fld>
             <a:endParaRPr lang="nl-NL" dirty="0"/>
           </a:p>
@@ -2478,7 +2654,7 @@
             <a:fld id="{8E3DC7CE-C6B6-4E8D-A59A-9F23D112E903}" type="datetime1">
               <a:rPr lang="nl-NL" smtClean="0"/>
               <a:pPr/>
-              <a:t>5-6-2018</a:t>
+              <a:t>21-6-2018</a:t>
             </a:fld>
             <a:endParaRPr lang="nl-NL" dirty="0"/>
           </a:p>
@@ -2936,7 +3112,7 @@
             <a:fld id="{20303E47-4A95-4550-9F12-559EDC999436}" type="datetime1">
               <a:rPr lang="nl-NL" smtClean="0"/>
               <a:pPr/>
-              <a:t>5-6-2018</a:t>
+              <a:t>21-6-2018</a:t>
             </a:fld>
             <a:endParaRPr lang="nl-NL" dirty="0"/>
           </a:p>
@@ -3077,7 +3253,7 @@
             <a:fld id="{35AB537B-CE98-48CB-A314-6011C45FC7F1}" type="datetime1">
               <a:rPr lang="nl-NL" smtClean="0"/>
               <a:pPr/>
-              <a:t>5-6-2018</a:t>
+              <a:t>21-6-2018</a:t>
             </a:fld>
             <a:endParaRPr lang="nl-NL" dirty="0"/>
           </a:p>
@@ -3194,7 +3370,7 @@
             <a:fld id="{1DBF508E-A681-4D4D-81E0-99FA3E1F2380}" type="datetime1">
               <a:rPr lang="nl-NL" smtClean="0"/>
               <a:pPr/>
-              <a:t>5-6-2018</a:t>
+              <a:t>21-6-2018</a:t>
             </a:fld>
             <a:endParaRPr lang="nl-NL" dirty="0"/>
           </a:p>
@@ -3502,7 +3678,7 @@
             <a:fld id="{A269F74F-5AB5-425C-92D3-6B9D9DA1CB37}" type="datetime1">
               <a:rPr lang="nl-NL" smtClean="0"/>
               <a:pPr/>
-              <a:t>5-6-2018</a:t>
+              <a:t>21-6-2018</a:t>
             </a:fld>
             <a:endParaRPr lang="nl-NL" dirty="0"/>
           </a:p>
@@ -3806,7 +3982,7 @@
             <a:fld id="{6F3B9670-CA0F-4BAE-9646-FD24346499F6}" type="datetime1">
               <a:rPr lang="nl-NL" smtClean="0"/>
               <a:pPr/>
-              <a:t>5-6-2018</a:t>
+              <a:t>21-6-2018</a:t>
             </a:fld>
             <a:endParaRPr lang="nl-NL" dirty="0"/>
           </a:p>
@@ -4105,7 +4281,7 @@
             <a:fld id="{8A1DC49B-26B1-41D3-BFFA-9D974435E1DF}" type="datetime1">
               <a:rPr lang="nl-NL" smtClean="0"/>
               <a:pPr/>
-              <a:t>5-6-2018</a:t>
+              <a:t>21-6-2018</a:t>
             </a:fld>
             <a:endParaRPr lang="nl-NL" dirty="0"/>
           </a:p>
@@ -4705,7 +4881,7 @@
             <a:pPr rtl="0"/>
             <a:r>
               <a:rPr lang="nl-NL" b="1" dirty="0"/>
-              <a:t>Inleiding</a:t>
+              <a:t>Inhoud</a:t>
             </a:r>
           </a:p>
         </p:txBody>
@@ -4738,16 +4914,12 @@
                   <a:lumMod val="50000"/>
                 </a:schemeClr>
               </a:buClr>
-              <a:buFont typeface="Calibri" panose="020F0502020204030204" pitchFamily="34" charset="0"/>
-              <a:buChar char="→"/>
+              <a:buFont typeface="Wingdings" panose="05000000000000000000" pitchFamily="2" charset="2"/>
+              <a:buChar char="§"/>
             </a:pPr>
             <a:r>
-              <a:rPr lang="nl-NL" sz="2400" dirty="0" err="1"/>
-              <a:t>ROCit</a:t>
-            </a:r>
-            <a:r>
-              <a:rPr lang="nl-NL" sz="2400" dirty="0"/>
-              <a:t> heeft een wagenpark van 50 leaseauto’s van verschillende dealers. </a:t>
+              <a:rPr lang="nl-NL" sz="2400" spc="-30" dirty="0"/>
+              <a:t>Inleiding</a:t>
             </a:r>
           </a:p>
           <a:p>
@@ -4757,20 +4929,12 @@
                   <a:lumMod val="50000"/>
                 </a:schemeClr>
               </a:buClr>
-              <a:buFont typeface="Calibri" panose="020F0502020204030204" pitchFamily="34" charset="0"/>
-              <a:buChar char="→"/>
+              <a:buFont typeface="Wingdings" panose="05000000000000000000" pitchFamily="2" charset="2"/>
+              <a:buChar char="§"/>
             </a:pPr>
             <a:r>
-              <a:rPr lang="nl-NL" sz="2400" dirty="0"/>
-              <a:t> </a:t>
-            </a:r>
-            <a:r>
-              <a:rPr lang="nl-NL" sz="2400" dirty="0" err="1"/>
-              <a:t>ROCit</a:t>
-            </a:r>
-            <a:r>
-              <a:rPr lang="nl-NL" sz="2400" dirty="0"/>
-              <a:t> wil een overzicht hebben van de kosten van de onderhoudsbeurt voor alle auto’s. </a:t>
+              <a:rPr lang="nl-NL" sz="2400" spc="-30" dirty="0"/>
+              <a:t>Documentatie</a:t>
             </a:r>
           </a:p>
           <a:p>
@@ -4780,18 +4944,43 @@
                   <a:lumMod val="50000"/>
                 </a:schemeClr>
               </a:buClr>
-              <a:buFont typeface="Calibri" panose="020F0502020204030204" pitchFamily="34" charset="0"/>
-              <a:buChar char="→"/>
+              <a:buFont typeface="Wingdings" panose="05000000000000000000" pitchFamily="2" charset="2"/>
+              <a:buChar char="§"/>
             </a:pPr>
             <a:r>
-              <a:rPr lang="nl-NL" sz="2400"/>
-              <a:t> De dealers </a:t>
-            </a:r>
-            <a:r>
-              <a:rPr lang="nl-NL" sz="2400" dirty="0"/>
-              <a:t>zelf de gegevens over de onderhoudsbeurt online kan invoeren.</a:t>
-            </a:r>
-            <a:endParaRPr lang="nl-NL" sz="2400" spc="-30" dirty="0"/>
+              <a:rPr lang="nl-NL" sz="2400" spc="-30" dirty="0"/>
+              <a:t>Voorwaarden</a:t>
+            </a:r>
+          </a:p>
+          <a:p>
+            <a:pPr>
+              <a:buClr>
+                <a:schemeClr val="bg2">
+                  <a:lumMod val="50000"/>
+                </a:schemeClr>
+              </a:buClr>
+              <a:buFont typeface="Wingdings" panose="05000000000000000000" pitchFamily="2" charset="2"/>
+              <a:buChar char="§"/>
+            </a:pPr>
+            <a:r>
+              <a:rPr lang="nl-NL" sz="2400" spc="-30" dirty="0"/>
+              <a:t>Planning</a:t>
+            </a:r>
+          </a:p>
+          <a:p>
+            <a:pPr>
+              <a:buClr>
+                <a:schemeClr val="bg2">
+                  <a:lumMod val="50000"/>
+                </a:schemeClr>
+              </a:buClr>
+              <a:buFont typeface="Wingdings" panose="05000000000000000000" pitchFamily="2" charset="2"/>
+              <a:buChar char="§"/>
+            </a:pPr>
+            <a:r>
+              <a:rPr lang="nl-NL" sz="2400" spc="-30" dirty="0"/>
+              <a:t>De applicatie</a:t>
+            </a:r>
           </a:p>
         </p:txBody>
       </p:sp>
@@ -4839,13 +5028,7 @@
       </p:grpSpPr>
       <p:sp>
         <p:nvSpPr>
-          <p:cNvPr id="2" name="Titel 1">
-            <a:extLst>
-              <a:ext uri="{FF2B5EF4-FFF2-40B4-BE49-F238E27FC236}">
-                <a16:creationId xmlns:a16="http://schemas.microsoft.com/office/drawing/2014/main" id="{4B5BAE5F-7D1A-484B-B4F2-15E34743AF3D}"/>
-              </a:ext>
-            </a:extLst>
-          </p:cNvPr>
+          <p:cNvPr id="2" name="Titel 1"/>
           <p:cNvSpPr>
             <a:spLocks noGrp="1"/>
           </p:cNvSpPr>
@@ -4855,146 +5038,107 @@
         </p:nvSpPr>
         <p:spPr>
           <a:xfrm>
-            <a:off x="458012" y="393473"/>
-            <a:ext cx="3515259" cy="648072"/>
+            <a:off x="333772" y="260648"/>
+            <a:ext cx="2736304" cy="706760"/>
           </a:xfrm>
         </p:spPr>
         <p:txBody>
-          <a:bodyPr>
+          <a:bodyPr rtlCol="0"/>
+          <a:lstStyle/>
+          <a:p>
+            <a:pPr rtl="0"/>
+            <a:r>
+              <a:rPr lang="nl-NL" b="1" dirty="0"/>
+              <a:t>Inleiding</a:t>
+            </a:r>
+          </a:p>
+        </p:txBody>
+      </p:sp>
+      <p:sp>
+        <p:nvSpPr>
+          <p:cNvPr id="3" name="Tijdelijke aanduiding voor inhoud 2"/>
+          <p:cNvSpPr>
+            <a:spLocks noGrp="1"/>
+          </p:cNvSpPr>
+          <p:nvPr>
+            <p:ph idx="13"/>
+          </p:nvPr>
+        </p:nvSpPr>
+        <p:spPr>
+          <a:xfrm>
+            <a:off x="357133" y="1700808"/>
+            <a:ext cx="9577064" cy="3096344"/>
+          </a:xfrm>
+        </p:spPr>
+        <p:txBody>
+          <a:bodyPr rtlCol="0">
             <a:normAutofit/>
           </a:bodyPr>
           <a:lstStyle/>
           <a:p>
-            <a:r>
-              <a:rPr lang="nl-NL" b="1" dirty="0"/>
-              <a:t>Voorwaarden</a:t>
-            </a:r>
-          </a:p>
-        </p:txBody>
-      </p:sp>
-      <p:sp>
-        <p:nvSpPr>
-          <p:cNvPr id="3" name="Tijdelijke aanduiding voor inhoud 2">
-            <a:extLst>
-              <a:ext uri="{FF2B5EF4-FFF2-40B4-BE49-F238E27FC236}">
-                <a16:creationId xmlns:a16="http://schemas.microsoft.com/office/drawing/2014/main" id="{70B33816-8B2A-41A3-8D70-1AD032DA249A}"/>
-              </a:ext>
-            </a:extLst>
-          </p:cNvPr>
-          <p:cNvSpPr>
-            <a:spLocks noGrp="1"/>
-          </p:cNvSpPr>
-          <p:nvPr>
-            <p:ph idx="13"/>
-          </p:nvPr>
-        </p:nvSpPr>
-        <p:spPr>
-          <a:xfrm>
-            <a:off x="458012" y="1916832"/>
-            <a:ext cx="10287000" cy="4190999"/>
-          </a:xfrm>
-        </p:spPr>
-        <p:txBody>
-          <a:bodyPr>
-            <a:normAutofit/>
-          </a:bodyPr>
-          <a:lstStyle/>
-          <a:p>
+            <a:pPr>
+              <a:buClr>
+                <a:schemeClr val="bg2">
+                  <a:lumMod val="50000"/>
+                </a:schemeClr>
+              </a:buClr>
+              <a:buFont typeface="Wingdings" panose="05000000000000000000" pitchFamily="2" charset="2"/>
+              <a:buChar char="§"/>
+            </a:pPr>
+            <a:r>
+              <a:rPr lang="nl-NL" sz="2400" dirty="0" err="1"/>
+              <a:t>ROCit</a:t>
+            </a:r>
             <a:r>
               <a:rPr lang="nl-NL" sz="2400" dirty="0"/>
-              <a:t>Een inlogscript met sessies voor het inloggen van de dealers. </a:t>
-            </a:r>
-          </a:p>
-          <a:p>
+              <a:t> heeft een wagenpark van 50 leaseauto’s van verschillende dealers. </a:t>
+            </a:r>
+          </a:p>
+          <a:p>
+            <a:pPr>
+              <a:buClr>
+                <a:schemeClr val="bg2">
+                  <a:lumMod val="50000"/>
+                </a:schemeClr>
+              </a:buClr>
+              <a:buFont typeface="Wingdings" panose="05000000000000000000" pitchFamily="2" charset="2"/>
+              <a:buChar char="§"/>
+            </a:pPr>
             <a:r>
               <a:rPr lang="nl-NL" sz="2400" dirty="0"/>
-              <a:t> Een inlogscript voor de applicatiebeheerder die alle rechten heeft om mutaties door te voeren.</a:t>
-            </a:r>
-          </a:p>
-          <a:p>
+              <a:t> </a:t>
+            </a:r>
+            <a:r>
+              <a:rPr lang="nl-NL" sz="2400" dirty="0" err="1"/>
+              <a:t>ROCit</a:t>
+            </a:r>
             <a:r>
               <a:rPr lang="nl-NL" sz="2400" dirty="0"/>
-              <a:t>Een welkomstpagina.</a:t>
-            </a:r>
-          </a:p>
-          <a:p>
+              <a:t> wil een overzicht hebben van de kosten van de onderhoudsbeurt voor alle auto’s. </a:t>
+            </a:r>
+          </a:p>
+          <a:p>
+            <a:pPr>
+              <a:buClr>
+                <a:schemeClr val="bg2">
+                  <a:lumMod val="50000"/>
+                </a:schemeClr>
+              </a:buClr>
+              <a:buFont typeface="Wingdings" panose="05000000000000000000" pitchFamily="2" charset="2"/>
+              <a:buChar char="§"/>
+            </a:pPr>
             <a:r>
               <a:rPr lang="nl-NL" sz="2400" dirty="0"/>
-              <a:t>De mogelijkheid dat een dealer een onderhoudsbeurt online kan invoeren.</a:t>
-            </a:r>
-          </a:p>
-          <a:p>
-            <a:r>
-              <a:rPr lang="nl-NL" sz="2400" dirty="0"/>
-              <a:t>De mogelijkheid dat een dealer een overzicht van een specifieke auto online kan aanvragen.</a:t>
-            </a:r>
-          </a:p>
-          <a:p>
-            <a:r>
-              <a:rPr lang="nl-NL" sz="2400" dirty="0"/>
-              <a:t>Een link op de welkomstpagina naar een outlog pagina .</a:t>
-            </a:r>
-          </a:p>
-        </p:txBody>
-      </p:sp>
-      <p:sp>
-        <p:nvSpPr>
-          <p:cNvPr id="4" name="Titel 1">
-            <a:extLst>
-              <a:ext uri="{FF2B5EF4-FFF2-40B4-BE49-F238E27FC236}">
-                <a16:creationId xmlns:a16="http://schemas.microsoft.com/office/drawing/2014/main" id="{FB1D895C-B2B3-4A9E-B7AB-A491E10F0C98}"/>
-              </a:ext>
-            </a:extLst>
-          </p:cNvPr>
-          <p:cNvSpPr txBox="1">
-            <a:spLocks/>
-          </p:cNvSpPr>
-          <p:nvPr/>
-        </p:nvSpPr>
-        <p:spPr>
-          <a:xfrm>
-            <a:off x="458012" y="1041545"/>
-            <a:ext cx="10801200" cy="497229"/>
-          </a:xfrm>
-          <a:prstGeom prst="rect">
-            <a:avLst/>
-          </a:prstGeom>
-        </p:spPr>
-        <p:txBody>
-          <a:bodyPr vert="horz" lIns="91440" tIns="45720" rIns="91440" bIns="45720" rtlCol="0" anchor="b">
-            <a:normAutofit/>
-          </a:bodyPr>
-          <a:lstStyle>
-            <a:lvl1pPr algn="l" defTabSz="914400" rtl="0" eaLnBrk="1" latinLnBrk="0" hangingPunct="1">
-              <a:lnSpc>
-                <a:spcPct val="80000"/>
-              </a:lnSpc>
-              <a:spcBef>
-                <a:spcPct val="0"/>
-              </a:spcBef>
-              <a:buNone/>
-              <a:defRPr sz="3600" kern="1200">
-                <a:solidFill>
-                  <a:schemeClr val="tx2"/>
-                </a:solidFill>
-                <a:latin typeface="+mj-lt"/>
-                <a:ea typeface="+mj-ea"/>
-                <a:cs typeface="+mj-cs"/>
-              </a:defRPr>
-            </a:lvl1pPr>
-          </a:lstStyle>
-          <a:p>
-            <a:r>
-              <a:rPr lang="nl-NL" sz="2600" b="1" dirty="0"/>
-              <a:t>De opdrachtgever heeft de volgende voorwaarden vastgesteld.</a:t>
-            </a:r>
+              <a:t> De dealers kunnen zelf de gegevens over de onderhoudsbeurt online kan invoeren.</a:t>
+            </a:r>
+            <a:endParaRPr lang="nl-NL" sz="2400" spc="-30" dirty="0"/>
           </a:p>
         </p:txBody>
       </p:sp>
     </p:spTree>
     <p:extLst>
       <p:ext uri="{BB962C8B-B14F-4D97-AF65-F5344CB8AC3E}">
-        <p14:creationId xmlns:p14="http://schemas.microsoft.com/office/powerpoint/2010/main" val="814922282"/>
+        <p14:creationId xmlns:p14="http://schemas.microsoft.com/office/powerpoint/2010/main" val="3927263698"/>
       </p:ext>
     </p:extLst>
   </p:cSld>
@@ -5035,6 +5179,161 @@
       </p:grpSpPr>
       <p:sp>
         <p:nvSpPr>
+          <p:cNvPr id="2" name="Titel 1"/>
+          <p:cNvSpPr>
+            <a:spLocks noGrp="1"/>
+          </p:cNvSpPr>
+          <p:nvPr>
+            <p:ph type="title"/>
+          </p:nvPr>
+        </p:nvSpPr>
+        <p:spPr>
+          <a:xfrm>
+            <a:off x="333772" y="260648"/>
+            <a:ext cx="3384376" cy="792088"/>
+          </a:xfrm>
+        </p:spPr>
+        <p:txBody>
+          <a:bodyPr rtlCol="0">
+            <a:normAutofit/>
+          </a:bodyPr>
+          <a:lstStyle/>
+          <a:p>
+            <a:pPr rtl="0"/>
+            <a:r>
+              <a:rPr lang="nl-NL" b="1" dirty="0"/>
+              <a:t>Documentatie</a:t>
+            </a:r>
+          </a:p>
+        </p:txBody>
+      </p:sp>
+      <p:sp>
+        <p:nvSpPr>
+          <p:cNvPr id="3" name="Tijdelijke aanduiding voor inhoud 2"/>
+          <p:cNvSpPr>
+            <a:spLocks noGrp="1"/>
+          </p:cNvSpPr>
+          <p:nvPr>
+            <p:ph idx="13"/>
+          </p:nvPr>
+        </p:nvSpPr>
+        <p:spPr>
+          <a:xfrm>
+            <a:off x="357133" y="1700808"/>
+            <a:ext cx="9577064" cy="3096344"/>
+          </a:xfrm>
+        </p:spPr>
+        <p:txBody>
+          <a:bodyPr rtlCol="0">
+            <a:normAutofit/>
+          </a:bodyPr>
+          <a:lstStyle/>
+          <a:p>
+            <a:pPr>
+              <a:buClr>
+                <a:schemeClr val="bg2">
+                  <a:lumMod val="50000"/>
+                </a:schemeClr>
+              </a:buClr>
+              <a:buFont typeface="Wingdings" panose="05000000000000000000" pitchFamily="2" charset="2"/>
+              <a:buChar char="§"/>
+            </a:pPr>
+            <a:r>
+              <a:rPr lang="nl-NL" sz="2400" spc="-30" dirty="0"/>
+              <a:t>Functioneel ontwerp</a:t>
+            </a:r>
+          </a:p>
+          <a:p>
+            <a:pPr>
+              <a:buClr>
+                <a:schemeClr val="bg2">
+                  <a:lumMod val="50000"/>
+                </a:schemeClr>
+              </a:buClr>
+              <a:buFont typeface="Wingdings" panose="05000000000000000000" pitchFamily="2" charset="2"/>
+              <a:buChar char="§"/>
+            </a:pPr>
+            <a:r>
+              <a:rPr lang="nl-NL" sz="2400" spc="-30" dirty="0"/>
+              <a:t>Technisch ontwerp</a:t>
+            </a:r>
+          </a:p>
+          <a:p>
+            <a:pPr>
+              <a:buClr>
+                <a:schemeClr val="bg2">
+                  <a:lumMod val="50000"/>
+                </a:schemeClr>
+              </a:buClr>
+              <a:buFont typeface="Wingdings" panose="05000000000000000000" pitchFamily="2" charset="2"/>
+              <a:buChar char="§"/>
+            </a:pPr>
+            <a:r>
+              <a:rPr lang="nl-NL" sz="2400" spc="-30" dirty="0"/>
+              <a:t>Testplan</a:t>
+            </a:r>
+          </a:p>
+          <a:p>
+            <a:pPr>
+              <a:buClr>
+                <a:schemeClr val="bg2">
+                  <a:lumMod val="50000"/>
+                </a:schemeClr>
+              </a:buClr>
+              <a:buFont typeface="Wingdings" panose="05000000000000000000" pitchFamily="2" charset="2"/>
+              <a:buChar char="§"/>
+            </a:pPr>
+            <a:r>
+              <a:rPr lang="nl-NL" sz="2400" spc="-30" dirty="0"/>
+              <a:t>Implementatie</a:t>
+            </a:r>
+          </a:p>
+        </p:txBody>
+      </p:sp>
+    </p:spTree>
+    <p:extLst>
+      <p:ext uri="{BB962C8B-B14F-4D97-AF65-F5344CB8AC3E}">
+        <p14:creationId xmlns:p14="http://schemas.microsoft.com/office/powerpoint/2010/main" val="1329414873"/>
+      </p:ext>
+    </p:extLst>
+  </p:cSld>
+  <p:clrMapOvr>
+    <a:masterClrMapping/>
+  </p:clrMapOvr>
+  <mc:AlternateContent xmlns:mc="http://schemas.openxmlformats.org/markup-compatibility/2006" xmlns:p14="http://schemas.microsoft.com/office/powerpoint/2010/main">
+    <mc:Choice Requires="p14">
+      <p:transition spd="med" p14:dur="700">
+        <p:fade/>
+      </p:transition>
+    </mc:Choice>
+    <mc:Fallback xmlns="">
+      <p:transition spd="med">
+        <p:fade/>
+      </p:transition>
+    </mc:Fallback>
+  </mc:AlternateContent>
+</p:sld>
+</file>
+
+<file path=ppt/slides/slide5.xml><?xml version="1.0" encoding="utf-8"?>
+<p:sld xmlns:a="http://schemas.openxmlformats.org/drawingml/2006/main" xmlns:r="http://schemas.openxmlformats.org/officeDocument/2006/relationships" xmlns:p="http://schemas.openxmlformats.org/presentationml/2006/main">
+  <p:cSld>
+    <p:spTree>
+      <p:nvGrpSpPr>
+        <p:cNvPr id="1" name=""/>
+        <p:cNvGrpSpPr/>
+        <p:nvPr/>
+      </p:nvGrpSpPr>
+      <p:grpSpPr>
+        <a:xfrm>
+          <a:off x="0" y="0"/>
+          <a:ext cx="0" cy="0"/>
+          <a:chOff x="0" y="0"/>
+          <a:chExt cx="0" cy="0"/>
+        </a:xfrm>
+      </p:grpSpPr>
+      <p:sp>
+        <p:nvSpPr>
           <p:cNvPr id="2" name="Titel 1">
             <a:extLst>
               <a:ext uri="{FF2B5EF4-FFF2-40B4-BE49-F238E27FC236}">
@@ -5051,8 +5350,8 @@
         </p:nvSpPr>
         <p:spPr>
           <a:xfrm>
-            <a:off x="278566" y="332656"/>
-            <a:ext cx="8712968" cy="720080"/>
+            <a:off x="458012" y="393473"/>
+            <a:ext cx="3515259" cy="648072"/>
           </a:xfrm>
         </p:spPr>
         <p:txBody>
@@ -5062,8 +5361,8 @@
           <a:lstStyle/>
           <a:p>
             <a:r>
-              <a:rPr lang="nl-NL" dirty="0"/>
-              <a:t>Wat laten we u zien in de applicatie</a:t>
+              <a:rPr lang="nl-NL" b="1" dirty="0"/>
+              <a:t>Voorwaarden</a:t>
             </a:r>
           </a:p>
         </p:txBody>
@@ -5086,8 +5385,8 @@
         </p:nvSpPr>
         <p:spPr>
           <a:xfrm>
-            <a:off x="261764" y="1484784"/>
-            <a:ext cx="10287000" cy="2088232"/>
+            <a:off x="458012" y="1916832"/>
+            <a:ext cx="10287000" cy="4190999"/>
           </a:xfrm>
         </p:spPr>
         <p:txBody>
@@ -5096,22 +5395,398 @@
           </a:bodyPr>
           <a:lstStyle/>
           <a:p>
+            <a:pPr>
+              <a:buFont typeface="Wingdings" panose="05000000000000000000" pitchFamily="2" charset="2"/>
+              <a:buChar char="§"/>
+            </a:pPr>
             <a:r>
               <a:rPr lang="nl-NL" sz="2400" dirty="0"/>
-              <a:t>Twee mogelijkheden om te inloggen.</a:t>
-            </a:r>
-          </a:p>
-          <a:p>
+              <a:t>Een inlogscript met sessies voor het inloggen van de dealers en beheerders. </a:t>
+            </a:r>
+          </a:p>
+          <a:p>
+            <a:pPr>
+              <a:buFont typeface="Wingdings" panose="05000000000000000000" pitchFamily="2" charset="2"/>
+              <a:buChar char="§"/>
+            </a:pPr>
             <a:r>
               <a:rPr lang="nl-NL" sz="2400" dirty="0"/>
-              <a:t>De onderhoudsbeurt kan online toevoegen, verwijderen, aanpassen.</a:t>
-            </a:r>
-          </a:p>
-          <a:p>
+              <a:t>Een welkomstpagina.</a:t>
+            </a:r>
+          </a:p>
+          <a:p>
+            <a:pPr>
+              <a:buFont typeface="Wingdings" panose="05000000000000000000" pitchFamily="2" charset="2"/>
+              <a:buChar char="§"/>
+            </a:pPr>
             <a:r>
               <a:rPr lang="nl-NL" sz="2400" dirty="0"/>
-              <a:t>Overzicht van de specifieke auto’s zoeken.</a:t>
-            </a:r>
+              <a:t>De mogelijkheid dat een dealer een onderhoudsbeurt online kan invoeren.</a:t>
+            </a:r>
+          </a:p>
+          <a:p>
+            <a:pPr>
+              <a:buFont typeface="Wingdings" panose="05000000000000000000" pitchFamily="2" charset="2"/>
+              <a:buChar char="§"/>
+            </a:pPr>
+            <a:r>
+              <a:rPr lang="nl-NL" sz="2400" dirty="0"/>
+              <a:t>De mogelijkheid dat een dealer een overzicht van een specifieke auto online kan aanvragen.</a:t>
+            </a:r>
+          </a:p>
+          <a:p>
+            <a:pPr>
+              <a:buFont typeface="Wingdings" panose="05000000000000000000" pitchFamily="2" charset="2"/>
+              <a:buChar char="§"/>
+            </a:pPr>
+            <a:r>
+              <a:rPr lang="nl-NL" sz="2400" dirty="0"/>
+              <a:t>Een link op de welkomstpagina naar een uitlog pagina.</a:t>
+            </a:r>
+          </a:p>
+        </p:txBody>
+      </p:sp>
+      <p:sp>
+        <p:nvSpPr>
+          <p:cNvPr id="4" name="Titel 1">
+            <a:extLst>
+              <a:ext uri="{FF2B5EF4-FFF2-40B4-BE49-F238E27FC236}">
+                <a16:creationId xmlns:a16="http://schemas.microsoft.com/office/drawing/2014/main" id="{FB1D895C-B2B3-4A9E-B7AB-A491E10F0C98}"/>
+              </a:ext>
+            </a:extLst>
+          </p:cNvPr>
+          <p:cNvSpPr txBox="1">
+            <a:spLocks/>
+          </p:cNvSpPr>
+          <p:nvPr/>
+        </p:nvSpPr>
+        <p:spPr>
+          <a:xfrm>
+            <a:off x="458012" y="1041545"/>
+            <a:ext cx="10801200" cy="497229"/>
+          </a:xfrm>
+          <a:prstGeom prst="rect">
+            <a:avLst/>
+          </a:prstGeom>
+        </p:spPr>
+        <p:txBody>
+          <a:bodyPr vert="horz" lIns="91440" tIns="45720" rIns="91440" bIns="45720" rtlCol="0" anchor="b">
+            <a:normAutofit/>
+          </a:bodyPr>
+          <a:lstStyle>
+            <a:lvl1pPr algn="l" defTabSz="914400" rtl="0" eaLnBrk="1" latinLnBrk="0" hangingPunct="1">
+              <a:lnSpc>
+                <a:spcPct val="80000"/>
+              </a:lnSpc>
+              <a:spcBef>
+                <a:spcPct val="0"/>
+              </a:spcBef>
+              <a:buNone/>
+              <a:defRPr sz="3600" kern="1200">
+                <a:solidFill>
+                  <a:schemeClr val="tx2"/>
+                </a:solidFill>
+                <a:latin typeface="+mj-lt"/>
+                <a:ea typeface="+mj-ea"/>
+                <a:cs typeface="+mj-cs"/>
+              </a:defRPr>
+            </a:lvl1pPr>
+          </a:lstStyle>
+          <a:p>
+            <a:r>
+              <a:rPr lang="nl-NL" sz="2600" b="1" dirty="0"/>
+              <a:t>De opdrachtgever heeft de volgende voorwaarden vastgesteld.</a:t>
+            </a:r>
+          </a:p>
+        </p:txBody>
+      </p:sp>
+    </p:spTree>
+    <p:extLst>
+      <p:ext uri="{BB962C8B-B14F-4D97-AF65-F5344CB8AC3E}">
+        <p14:creationId xmlns:p14="http://schemas.microsoft.com/office/powerpoint/2010/main" val="814922282"/>
+      </p:ext>
+    </p:extLst>
+  </p:cSld>
+  <p:clrMapOvr>
+    <a:masterClrMapping/>
+  </p:clrMapOvr>
+  <mc:AlternateContent xmlns:mc="http://schemas.openxmlformats.org/markup-compatibility/2006" xmlns:p14="http://schemas.microsoft.com/office/powerpoint/2010/main">
+    <mc:Choice Requires="p14">
+      <p:transition spd="med" p14:dur="700">
+        <p:fade/>
+      </p:transition>
+    </mc:Choice>
+    <mc:Fallback xmlns="">
+      <p:transition spd="med">
+        <p:fade/>
+      </p:transition>
+    </mc:Fallback>
+  </mc:AlternateContent>
+</p:sld>
+</file>
+
+<file path=ppt/slides/slide6.xml><?xml version="1.0" encoding="utf-8"?>
+<p:sld xmlns:a="http://schemas.openxmlformats.org/drawingml/2006/main" xmlns:r="http://schemas.openxmlformats.org/officeDocument/2006/relationships" xmlns:p="http://schemas.openxmlformats.org/presentationml/2006/main">
+  <p:cSld>
+    <p:spTree>
+      <p:nvGrpSpPr>
+        <p:cNvPr id="1" name=""/>
+        <p:cNvGrpSpPr/>
+        <p:nvPr/>
+      </p:nvGrpSpPr>
+      <p:grpSpPr>
+        <a:xfrm>
+          <a:off x="0" y="0"/>
+          <a:ext cx="0" cy="0"/>
+          <a:chOff x="0" y="0"/>
+          <a:chExt cx="0" cy="0"/>
+        </a:xfrm>
+      </p:grpSpPr>
+      <p:sp>
+        <p:nvSpPr>
+          <p:cNvPr id="2" name="Titel 1">
+            <a:extLst>
+              <a:ext uri="{FF2B5EF4-FFF2-40B4-BE49-F238E27FC236}">
+                <a16:creationId xmlns:a16="http://schemas.microsoft.com/office/drawing/2014/main" id="{4B5BAE5F-7D1A-484B-B4F2-15E34743AF3D}"/>
+              </a:ext>
+            </a:extLst>
+          </p:cNvPr>
+          <p:cNvSpPr>
+            <a:spLocks noGrp="1"/>
+          </p:cNvSpPr>
+          <p:nvPr>
+            <p:ph type="title"/>
+          </p:nvPr>
+        </p:nvSpPr>
+        <p:spPr>
+          <a:xfrm>
+            <a:off x="458012" y="393473"/>
+            <a:ext cx="3515259" cy="648072"/>
+          </a:xfrm>
+        </p:spPr>
+        <p:txBody>
+          <a:bodyPr>
+            <a:normAutofit/>
+          </a:bodyPr>
+          <a:lstStyle/>
+          <a:p>
+            <a:r>
+              <a:rPr lang="nl-NL" b="1" dirty="0"/>
+              <a:t>Planning </a:t>
+            </a:r>
+          </a:p>
+        </p:txBody>
+      </p:sp>
+      <p:pic>
+        <p:nvPicPr>
+          <p:cNvPr id="5" name="Afbeelding 4">
+            <a:extLst>
+              <a:ext uri="{FF2B5EF4-FFF2-40B4-BE49-F238E27FC236}">
+                <a16:creationId xmlns:a16="http://schemas.microsoft.com/office/drawing/2014/main" id="{5414C5B3-7477-4D7D-A794-F41F37F5DD23}"/>
+              </a:ext>
+            </a:extLst>
+          </p:cNvPr>
+          <p:cNvPicPr/>
+          <p:nvPr/>
+        </p:nvPicPr>
+        <p:blipFill>
+          <a:blip r:embed="rId2" cstate="print">
+            <a:extLst>
+              <a:ext uri="{28A0092B-C50C-407E-A947-70E740481C1C}">
+                <a14:useLocalDpi xmlns:a14="http://schemas.microsoft.com/office/drawing/2010/main" val="0"/>
+              </a:ext>
+            </a:extLst>
+          </a:blip>
+          <a:stretch>
+            <a:fillRect/>
+          </a:stretch>
+        </p:blipFill>
+        <p:spPr>
+          <a:xfrm>
+            <a:off x="693812" y="1268760"/>
+            <a:ext cx="10801200" cy="5051751"/>
+          </a:xfrm>
+          <a:prstGeom prst="rect">
+            <a:avLst/>
+          </a:prstGeom>
+        </p:spPr>
+      </p:pic>
+    </p:spTree>
+    <p:extLst>
+      <p:ext uri="{BB962C8B-B14F-4D97-AF65-F5344CB8AC3E}">
+        <p14:creationId xmlns:p14="http://schemas.microsoft.com/office/powerpoint/2010/main" val="2298744503"/>
+      </p:ext>
+    </p:extLst>
+  </p:cSld>
+  <p:clrMapOvr>
+    <a:masterClrMapping/>
+  </p:clrMapOvr>
+  <mc:AlternateContent xmlns:mc="http://schemas.openxmlformats.org/markup-compatibility/2006" xmlns:p14="http://schemas.microsoft.com/office/powerpoint/2010/main">
+    <mc:Choice Requires="p14">
+      <p:transition spd="med" p14:dur="700">
+        <p:fade/>
+      </p:transition>
+    </mc:Choice>
+    <mc:Fallback xmlns="">
+      <p:transition spd="med">
+        <p:fade/>
+      </p:transition>
+    </mc:Fallback>
+  </mc:AlternateContent>
+</p:sld>
+</file>
+
+<file path=ppt/slides/slide7.xml><?xml version="1.0" encoding="utf-8"?>
+<p:sld xmlns:a="http://schemas.openxmlformats.org/drawingml/2006/main" xmlns:r="http://schemas.openxmlformats.org/officeDocument/2006/relationships" xmlns:p="http://schemas.openxmlformats.org/presentationml/2006/main">
+  <p:cSld>
+    <p:spTree>
+      <p:nvGrpSpPr>
+        <p:cNvPr id="1" name=""/>
+        <p:cNvGrpSpPr/>
+        <p:nvPr/>
+      </p:nvGrpSpPr>
+      <p:grpSpPr>
+        <a:xfrm>
+          <a:off x="0" y="0"/>
+          <a:ext cx="0" cy="0"/>
+          <a:chOff x="0" y="0"/>
+          <a:chExt cx="0" cy="0"/>
+        </a:xfrm>
+      </p:grpSpPr>
+      <p:sp>
+        <p:nvSpPr>
+          <p:cNvPr id="2" name="Titel 1">
+            <a:extLst>
+              <a:ext uri="{FF2B5EF4-FFF2-40B4-BE49-F238E27FC236}">
+                <a16:creationId xmlns:a16="http://schemas.microsoft.com/office/drawing/2014/main" id="{4B5BAE5F-7D1A-484B-B4F2-15E34743AF3D}"/>
+              </a:ext>
+            </a:extLst>
+          </p:cNvPr>
+          <p:cNvSpPr>
+            <a:spLocks noGrp="1"/>
+          </p:cNvSpPr>
+          <p:nvPr>
+            <p:ph type="title"/>
+          </p:nvPr>
+        </p:nvSpPr>
+        <p:spPr>
+          <a:xfrm>
+            <a:off x="278566" y="332656"/>
+            <a:ext cx="8712968" cy="720080"/>
+          </a:xfrm>
+        </p:spPr>
+        <p:txBody>
+          <a:bodyPr>
+            <a:normAutofit/>
+          </a:bodyPr>
+          <a:lstStyle/>
+          <a:p>
+            <a:r>
+              <a:rPr lang="nl-NL" dirty="0"/>
+              <a:t>De applicatie</a:t>
+            </a:r>
+          </a:p>
+        </p:txBody>
+      </p:sp>
+      <p:sp>
+        <p:nvSpPr>
+          <p:cNvPr id="3" name="Tijdelijke aanduiding voor inhoud 2">
+            <a:extLst>
+              <a:ext uri="{FF2B5EF4-FFF2-40B4-BE49-F238E27FC236}">
+                <a16:creationId xmlns:a16="http://schemas.microsoft.com/office/drawing/2014/main" id="{70B33816-8B2A-41A3-8D70-1AD032DA249A}"/>
+              </a:ext>
+            </a:extLst>
+          </p:cNvPr>
+          <p:cNvSpPr>
+            <a:spLocks noGrp="1"/>
+          </p:cNvSpPr>
+          <p:nvPr>
+            <p:ph idx="13"/>
+          </p:nvPr>
+        </p:nvSpPr>
+        <p:spPr>
+          <a:xfrm>
+            <a:off x="261764" y="1484784"/>
+            <a:ext cx="7272808" cy="3024336"/>
+          </a:xfrm>
+        </p:spPr>
+        <p:txBody>
+          <a:bodyPr>
+            <a:normAutofit fontScale="85000" lnSpcReduction="20000"/>
+          </a:bodyPr>
+          <a:lstStyle/>
+          <a:p>
+            <a:pPr>
+              <a:buFont typeface="Wingdings" panose="05000000000000000000" pitchFamily="2" charset="2"/>
+              <a:buChar char="§"/>
+            </a:pPr>
+            <a:r>
+              <a:rPr lang="nl-NL" sz="2400" dirty="0"/>
+              <a:t>Inlog mogelijkheid.</a:t>
+            </a:r>
+          </a:p>
+          <a:p>
+            <a:pPr>
+              <a:buFont typeface="Wingdings" panose="05000000000000000000" pitchFamily="2" charset="2"/>
+              <a:buChar char="§"/>
+            </a:pPr>
+            <a:r>
+              <a:rPr lang="nl-NL" sz="2400" dirty="0"/>
+              <a:t>Onderhoud toevoegen, verwijderen en aanpassen.</a:t>
+            </a:r>
+          </a:p>
+          <a:p>
+            <a:pPr>
+              <a:buFont typeface="Wingdings" panose="05000000000000000000" pitchFamily="2" charset="2"/>
+              <a:buChar char="§"/>
+            </a:pPr>
+            <a:r>
+              <a:rPr lang="nl-NL" sz="2400" dirty="0"/>
+              <a:t>Specifieke auto’s en onderhoud zoeken.</a:t>
+            </a:r>
+          </a:p>
+          <a:p>
+            <a:pPr>
+              <a:buFont typeface="Wingdings" panose="05000000000000000000" pitchFamily="2" charset="2"/>
+              <a:buChar char="§"/>
+            </a:pPr>
+            <a:r>
+              <a:rPr lang="nl-NL" sz="2400" dirty="0"/>
+              <a:t>Contactgegevens.</a:t>
+            </a:r>
+          </a:p>
+          <a:p>
+            <a:pPr>
+              <a:buFont typeface="Wingdings" panose="05000000000000000000" pitchFamily="2" charset="2"/>
+              <a:buChar char="§"/>
+            </a:pPr>
+            <a:r>
+              <a:rPr lang="nl-NL" sz="2400" dirty="0"/>
+              <a:t>Auto’s toevoegen, verwijderen en aanpassen.</a:t>
+            </a:r>
+          </a:p>
+          <a:p>
+            <a:pPr>
+              <a:buFont typeface="Wingdings" panose="05000000000000000000" pitchFamily="2" charset="2"/>
+              <a:buChar char="§"/>
+            </a:pPr>
+            <a:r>
+              <a:rPr lang="nl-NL" sz="2400" dirty="0"/>
+              <a:t>Dealer aanmaken, verwijderen en rol gegeven.</a:t>
+            </a:r>
+          </a:p>
+          <a:p>
+            <a:pPr>
+              <a:buFont typeface="Wingdings" panose="05000000000000000000" pitchFamily="2" charset="2"/>
+              <a:buChar char="§"/>
+            </a:pPr>
+            <a:r>
+              <a:rPr lang="nl-NL" sz="2400" dirty="0"/>
+              <a:t>Werkplaats toevoegen.</a:t>
+            </a:r>
+          </a:p>
+          <a:p>
+            <a:endParaRPr lang="nl-NL" sz="2400" dirty="0"/>
           </a:p>
           <a:p>
             <a:endParaRPr lang="nl-NL" sz="2400" dirty="0"/>
@@ -5124,10 +5799,158 @@
           </a:p>
         </p:txBody>
       </p:sp>
+      <p:pic>
+        <p:nvPicPr>
+          <p:cNvPr id="6" name="Afbeelding 5">
+            <a:extLst>
+              <a:ext uri="{FF2B5EF4-FFF2-40B4-BE49-F238E27FC236}">
+                <a16:creationId xmlns:a16="http://schemas.microsoft.com/office/drawing/2014/main" id="{826E3E8E-9155-4E9B-B172-BE437DEC6798}"/>
+              </a:ext>
+            </a:extLst>
+          </p:cNvPr>
+          <p:cNvPicPr/>
+          <p:nvPr/>
+        </p:nvPicPr>
+        <p:blipFill rotWithShape="1">
+          <a:blip r:embed="rId2"/>
+          <a:srcRect l="5787" t="11762" b="5313"/>
+          <a:stretch/>
+        </p:blipFill>
+        <p:spPr bwMode="auto">
+          <a:xfrm>
+            <a:off x="5635620" y="3068960"/>
+            <a:ext cx="6291441" cy="3481469"/>
+          </a:xfrm>
+          <a:prstGeom prst="rect">
+            <a:avLst/>
+          </a:prstGeom>
+          <a:ln>
+            <a:noFill/>
+          </a:ln>
+          <a:extLst>
+            <a:ext uri="{53640926-AAD7-44D8-BBD7-CCE9431645EC}">
+              <a14:shadowObscured xmlns:a14="http://schemas.microsoft.com/office/drawing/2010/main"/>
+            </a:ext>
+          </a:extLst>
+        </p:spPr>
+      </p:pic>
     </p:spTree>
     <p:extLst>
       <p:ext uri="{BB962C8B-B14F-4D97-AF65-F5344CB8AC3E}">
         <p14:creationId xmlns:p14="http://schemas.microsoft.com/office/powerpoint/2010/main" val="2350440248"/>
+      </p:ext>
+    </p:extLst>
+  </p:cSld>
+  <p:clrMapOvr>
+    <a:masterClrMapping/>
+  </p:clrMapOvr>
+  <mc:AlternateContent xmlns:mc="http://schemas.openxmlformats.org/markup-compatibility/2006" xmlns:p14="http://schemas.microsoft.com/office/powerpoint/2010/main">
+    <mc:Choice Requires="p14">
+      <p:transition spd="med" p14:dur="700">
+        <p:fade/>
+      </p:transition>
+    </mc:Choice>
+    <mc:Fallback xmlns="">
+      <p:transition spd="med">
+        <p:fade/>
+      </p:transition>
+    </mc:Fallback>
+  </mc:AlternateContent>
+</p:sld>
+</file>
+
+<file path=ppt/slides/slide8.xml><?xml version="1.0" encoding="utf-8"?>
+<p:sld xmlns:a="http://schemas.openxmlformats.org/drawingml/2006/main" xmlns:r="http://schemas.openxmlformats.org/officeDocument/2006/relationships" xmlns:p="http://schemas.openxmlformats.org/presentationml/2006/main">
+  <p:cSld>
+    <p:spTree>
+      <p:nvGrpSpPr>
+        <p:cNvPr id="1" name=""/>
+        <p:cNvGrpSpPr/>
+        <p:nvPr/>
+      </p:nvGrpSpPr>
+      <p:grpSpPr>
+        <a:xfrm>
+          <a:off x="0" y="0"/>
+          <a:ext cx="0" cy="0"/>
+          <a:chOff x="0" y="0"/>
+          <a:chExt cx="0" cy="0"/>
+        </a:xfrm>
+      </p:grpSpPr>
+      <p:sp>
+        <p:nvSpPr>
+          <p:cNvPr id="2" name="Titel 1">
+            <a:extLst>
+              <a:ext uri="{FF2B5EF4-FFF2-40B4-BE49-F238E27FC236}">
+                <a16:creationId xmlns:a16="http://schemas.microsoft.com/office/drawing/2014/main" id="{4B5BAE5F-7D1A-484B-B4F2-15E34743AF3D}"/>
+              </a:ext>
+            </a:extLst>
+          </p:cNvPr>
+          <p:cNvSpPr>
+            <a:spLocks noGrp="1"/>
+          </p:cNvSpPr>
+          <p:nvPr>
+            <p:ph type="title"/>
+          </p:nvPr>
+        </p:nvSpPr>
+        <p:spPr>
+          <a:xfrm>
+            <a:off x="458012" y="393473"/>
+            <a:ext cx="3515259" cy="648072"/>
+          </a:xfrm>
+        </p:spPr>
+        <p:txBody>
+          <a:bodyPr>
+            <a:normAutofit/>
+          </a:bodyPr>
+          <a:lstStyle/>
+          <a:p>
+            <a:r>
+              <a:rPr lang="nl-NL" b="1" dirty="0"/>
+              <a:t>Vragen </a:t>
+            </a:r>
+          </a:p>
+        </p:txBody>
+      </p:sp>
+      <p:pic>
+        <p:nvPicPr>
+          <p:cNvPr id="4" name="Afbeelding 3">
+            <a:extLst>
+              <a:ext uri="{FF2B5EF4-FFF2-40B4-BE49-F238E27FC236}">
+                <a16:creationId xmlns:a16="http://schemas.microsoft.com/office/drawing/2014/main" id="{26D21065-E062-4EE5-95A1-B324FBBA43E8}"/>
+              </a:ext>
+            </a:extLst>
+          </p:cNvPr>
+          <p:cNvPicPr>
+            <a:picLocks noChangeAspect="1"/>
+          </p:cNvPicPr>
+          <p:nvPr/>
+        </p:nvPicPr>
+        <p:blipFill>
+          <a:blip r:embed="rId2">
+            <a:extLst>
+              <a:ext uri="{28A0092B-C50C-407E-A947-70E740481C1C}">
+                <a14:useLocalDpi xmlns:a14="http://schemas.microsoft.com/office/drawing/2010/main" val="0"/>
+              </a:ext>
+            </a:extLst>
+          </a:blip>
+          <a:stretch>
+            <a:fillRect/>
+          </a:stretch>
+        </p:blipFill>
+        <p:spPr>
+          <a:xfrm>
+            <a:off x="3046412" y="1029442"/>
+            <a:ext cx="5424264" cy="5424264"/>
+          </a:xfrm>
+          <a:prstGeom prst="rect">
+            <a:avLst/>
+          </a:prstGeom>
+        </p:spPr>
+      </p:pic>
+    </p:spTree>
+    <p:extLst>
+      <p:ext uri="{BB962C8B-B14F-4D97-AF65-F5344CB8AC3E}">
+        <p14:creationId xmlns:p14="http://schemas.microsoft.com/office/powerpoint/2010/main" val="475376491"/>
       </p:ext>
     </p:extLst>
   </p:cSld>
